--- a/Micro Credit Defaulter/Micro_Credit_Defaulter.pptx
+++ b/Micro Credit Defaulter/Micro_Credit_Defaulter.pptx
@@ -6323,6 +6323,36 @@
           </a:p>
         </p:txBody>
       </p:sp>
+      <p:pic>
+        <p:nvPicPr>
+          <p:cNvPr id="5" name="Picture 4">
+            <a:extLst>
+              <a:ext uri="{FF2B5EF4-FFF2-40B4-BE49-F238E27FC236}">
+                <a16:creationId xmlns:a16="http://schemas.microsoft.com/office/drawing/2014/main" id="{9090E037-4CAF-E9D7-62B1-CAA3CED77742}"/>
+              </a:ext>
+            </a:extLst>
+          </p:cNvPr>
+          <p:cNvPicPr>
+            <a:picLocks noChangeAspect="1"/>
+          </p:cNvPicPr>
+          <p:nvPr/>
+        </p:nvPicPr>
+        <p:blipFill>
+          <a:blip r:embed="rId3"/>
+          <a:stretch>
+            <a:fillRect/>
+          </a:stretch>
+        </p:blipFill>
+        <p:spPr>
+          <a:xfrm>
+            <a:off x="1442388" y="2209800"/>
+            <a:ext cx="9307224" cy="4239217"/>
+          </a:xfrm>
+          <a:prstGeom prst="rect">
+            <a:avLst/>
+          </a:prstGeom>
+        </p:spPr>
+      </p:pic>
     </p:spTree>
     <p:extLst>
       <p:ext uri="{BB962C8B-B14F-4D97-AF65-F5344CB8AC3E}">
@@ -6593,6 +6623,36 @@
           </a:p>
         </p:txBody>
       </p:sp>
+      <p:pic>
+        <p:nvPicPr>
+          <p:cNvPr id="6" name="Picture 5">
+            <a:extLst>
+              <a:ext uri="{FF2B5EF4-FFF2-40B4-BE49-F238E27FC236}">
+                <a16:creationId xmlns:a16="http://schemas.microsoft.com/office/drawing/2014/main" id="{FEE60E30-DBF8-CEDB-CB52-5E58291E4B06}"/>
+              </a:ext>
+            </a:extLst>
+          </p:cNvPr>
+          <p:cNvPicPr>
+            <a:picLocks noChangeAspect="1"/>
+          </p:cNvPicPr>
+          <p:nvPr/>
+        </p:nvPicPr>
+        <p:blipFill>
+          <a:blip r:embed="rId3"/>
+          <a:stretch>
+            <a:fillRect/>
+          </a:stretch>
+        </p:blipFill>
+        <p:spPr>
+          <a:xfrm>
+            <a:off x="1856783" y="2009322"/>
+            <a:ext cx="8478433" cy="4620078"/>
+          </a:xfrm>
+          <a:prstGeom prst="rect">
+            <a:avLst/>
+          </a:prstGeom>
+        </p:spPr>
+      </p:pic>
     </p:spTree>
     <p:extLst>
       <p:ext uri="{BB962C8B-B14F-4D97-AF65-F5344CB8AC3E}">
@@ -6863,6 +6923,36 @@
           </a:p>
         </p:txBody>
       </p:sp>
+      <p:pic>
+        <p:nvPicPr>
+          <p:cNvPr id="5" name="Picture 4">
+            <a:extLst>
+              <a:ext uri="{FF2B5EF4-FFF2-40B4-BE49-F238E27FC236}">
+                <a16:creationId xmlns:a16="http://schemas.microsoft.com/office/drawing/2014/main" id="{6B1E8BE4-422C-FD63-FA12-095F271A89F1}"/>
+              </a:ext>
+            </a:extLst>
+          </p:cNvPr>
+          <p:cNvPicPr>
+            <a:picLocks noChangeAspect="1"/>
+          </p:cNvPicPr>
+          <p:nvPr/>
+        </p:nvPicPr>
+        <p:blipFill>
+          <a:blip r:embed="rId3"/>
+          <a:stretch>
+            <a:fillRect/>
+          </a:stretch>
+        </p:blipFill>
+        <p:spPr>
+          <a:xfrm>
+            <a:off x="1251861" y="3152672"/>
+            <a:ext cx="9688277" cy="1952728"/>
+          </a:xfrm>
+          <a:prstGeom prst="rect">
+            <a:avLst/>
+          </a:prstGeom>
+        </p:spPr>
+      </p:pic>
     </p:spTree>
     <p:extLst>
       <p:ext uri="{BB962C8B-B14F-4D97-AF65-F5344CB8AC3E}">
